--- a/xuatnhapkho/XÂY DỰNG GIAO DIỆN CHO PHẦN MỀM QUẢN.pptx
+++ b/xuatnhapkho/XÂY DỰNG GIAO DIỆN CHO PHẦN MỀM QUẢN.pptx
@@ -5,10 +5,10 @@
     <p:sldMasterId id="2147483756" r:id="rId4"/>
   </p:sldMasterIdLst>
   <p:notesMasterIdLst>
-    <p:notesMasterId r:id="rId14"/>
+    <p:notesMasterId r:id="rId16"/>
   </p:notesMasterIdLst>
   <p:handoutMasterIdLst>
-    <p:handoutMasterId r:id="rId15"/>
+    <p:handoutMasterId r:id="rId17"/>
   </p:handoutMasterIdLst>
   <p:sldIdLst>
     <p:sldId id="267" r:id="rId5"/>
@@ -19,7 +19,9 @@
     <p:sldId id="281" r:id="rId10"/>
     <p:sldId id="284" r:id="rId11"/>
     <p:sldId id="277" r:id="rId12"/>
-    <p:sldId id="285" r:id="rId13"/>
+    <p:sldId id="286" r:id="rId13"/>
+    <p:sldId id="287" r:id="rId14"/>
+    <p:sldId id="285" r:id="rId15"/>
   </p:sldIdLst>
   <p:sldSz cx="12188825" cy="6858000"/>
   <p:notesSz cx="6858000" cy="9144000"/>
@@ -1949,6 +1951,13 @@
         </dgm:presLayoutVars>
       </dgm:prSet>
       <dgm:spPr/>
+      <dgm:t>
+        <a:bodyPr/>
+        <a:lstStyle/>
+        <a:p>
+          <a:endParaRPr lang="en-US"/>
+        </a:p>
+      </dgm:t>
     </dgm:pt>
     <dgm:pt modelId="{A1E5D04D-1425-4361-B38B-E852D82485D4}" type="pres">
       <dgm:prSet presAssocID="{0CCDA0B6-985F-42F5-BA0F-7589A4A936D7}" presName="node" presStyleLbl="node1" presStyleIdx="0" presStyleCnt="6">
@@ -1968,10 +1977,24 @@
     <dgm:pt modelId="{3B7FF7EB-A02E-4910-97E3-DEF77E5AEE5B}" type="pres">
       <dgm:prSet presAssocID="{CFAC1346-CB8F-4AC7-B9A6-5DA2FD97D21A}" presName="sibTrans" presStyleLbl="sibTrans2D1" presStyleIdx="0" presStyleCnt="5"/>
       <dgm:spPr/>
+      <dgm:t>
+        <a:bodyPr/>
+        <a:lstStyle/>
+        <a:p>
+          <a:endParaRPr lang="en-US"/>
+        </a:p>
+      </dgm:t>
     </dgm:pt>
     <dgm:pt modelId="{90D12C42-D30D-4391-B383-383496CD37DE}" type="pres">
       <dgm:prSet presAssocID="{CFAC1346-CB8F-4AC7-B9A6-5DA2FD97D21A}" presName="connectorText" presStyleLbl="sibTrans2D1" presStyleIdx="0" presStyleCnt="5"/>
       <dgm:spPr/>
+      <dgm:t>
+        <a:bodyPr/>
+        <a:lstStyle/>
+        <a:p>
+          <a:endParaRPr lang="en-US"/>
+        </a:p>
+      </dgm:t>
     </dgm:pt>
     <dgm:pt modelId="{B9DE4076-0EFF-4A68-8754-27DD7CFEA8A2}" type="pres">
       <dgm:prSet presAssocID="{9D907AD1-F30F-434B-BA3E-F2E5D2F396D3}" presName="node" presStyleLbl="node1" presStyleIdx="1" presStyleCnt="6">
@@ -1991,10 +2014,24 @@
     <dgm:pt modelId="{7707D5E9-8F4A-4B4D-BA51-7CF2C5A4DD13}" type="pres">
       <dgm:prSet presAssocID="{50A09A22-20B7-497B-8B49-742D31F3AF16}" presName="sibTrans" presStyleLbl="sibTrans2D1" presStyleIdx="1" presStyleCnt="5"/>
       <dgm:spPr/>
+      <dgm:t>
+        <a:bodyPr/>
+        <a:lstStyle/>
+        <a:p>
+          <a:endParaRPr lang="en-US"/>
+        </a:p>
+      </dgm:t>
     </dgm:pt>
     <dgm:pt modelId="{0136BB49-185D-4F75-AEC8-CE90D055F8F9}" type="pres">
       <dgm:prSet presAssocID="{50A09A22-20B7-497B-8B49-742D31F3AF16}" presName="connectorText" presStyleLbl="sibTrans2D1" presStyleIdx="1" presStyleCnt="5"/>
       <dgm:spPr/>
+      <dgm:t>
+        <a:bodyPr/>
+        <a:lstStyle/>
+        <a:p>
+          <a:endParaRPr lang="en-US"/>
+        </a:p>
+      </dgm:t>
     </dgm:pt>
     <dgm:pt modelId="{ADB21E0B-208E-415F-879F-CCCD16881E2B}" type="pres">
       <dgm:prSet presAssocID="{081A5781-F08E-4EA5-971C-5F3B9537DE0C}" presName="node" presStyleLbl="node1" presStyleIdx="2" presStyleCnt="6">
@@ -2014,10 +2051,24 @@
     <dgm:pt modelId="{1300CB8A-CC4B-443E-88FD-F4F73F46C2F9}" type="pres">
       <dgm:prSet presAssocID="{CB13CCB7-8D27-46FB-AC4A-8F1622D6D757}" presName="sibTrans" presStyleLbl="sibTrans2D1" presStyleIdx="2" presStyleCnt="5"/>
       <dgm:spPr/>
+      <dgm:t>
+        <a:bodyPr/>
+        <a:lstStyle/>
+        <a:p>
+          <a:endParaRPr lang="en-US"/>
+        </a:p>
+      </dgm:t>
     </dgm:pt>
     <dgm:pt modelId="{C5180337-B20D-48AA-BDA7-A31E1E0150AA}" type="pres">
       <dgm:prSet presAssocID="{CB13CCB7-8D27-46FB-AC4A-8F1622D6D757}" presName="connectorText" presStyleLbl="sibTrans2D1" presStyleIdx="2" presStyleCnt="5"/>
       <dgm:spPr/>
+      <dgm:t>
+        <a:bodyPr/>
+        <a:lstStyle/>
+        <a:p>
+          <a:endParaRPr lang="en-US"/>
+        </a:p>
+      </dgm:t>
     </dgm:pt>
     <dgm:pt modelId="{4B1FCB80-E024-477F-926D-0278CBD56124}" type="pres">
       <dgm:prSet presAssocID="{6F617A8F-7B17-4FF5-9D28-E48A710FB28F}" presName="node" presStyleLbl="node1" presStyleIdx="3" presStyleCnt="6">
@@ -2037,10 +2088,24 @@
     <dgm:pt modelId="{56EC91C5-4FD9-4B48-8505-EB537665E833}" type="pres">
       <dgm:prSet presAssocID="{53299D1B-D867-48CB-8CAA-C8392B1130A6}" presName="sibTrans" presStyleLbl="sibTrans2D1" presStyleIdx="3" presStyleCnt="5"/>
       <dgm:spPr/>
+      <dgm:t>
+        <a:bodyPr/>
+        <a:lstStyle/>
+        <a:p>
+          <a:endParaRPr lang="en-US"/>
+        </a:p>
+      </dgm:t>
     </dgm:pt>
     <dgm:pt modelId="{4417472E-BF3A-49CF-AFF7-C56F8AB00833}" type="pres">
       <dgm:prSet presAssocID="{53299D1B-D867-48CB-8CAA-C8392B1130A6}" presName="connectorText" presStyleLbl="sibTrans2D1" presStyleIdx="3" presStyleCnt="5"/>
       <dgm:spPr/>
+      <dgm:t>
+        <a:bodyPr/>
+        <a:lstStyle/>
+        <a:p>
+          <a:endParaRPr lang="en-US"/>
+        </a:p>
+      </dgm:t>
     </dgm:pt>
     <dgm:pt modelId="{85823DB6-3E94-402E-8362-91988A6CE5AB}" type="pres">
       <dgm:prSet presAssocID="{15D97B0E-ACE4-4E03-8724-9A4182F54CE9}" presName="node" presStyleLbl="node1" presStyleIdx="4" presStyleCnt="6">
@@ -2060,10 +2125,24 @@
     <dgm:pt modelId="{3C477F92-1258-40F7-AF40-968A2E119527}" type="pres">
       <dgm:prSet presAssocID="{AD8B2EAA-ACE0-419D-904D-4D0FAD5ADB79}" presName="sibTrans" presStyleLbl="sibTrans2D1" presStyleIdx="4" presStyleCnt="5"/>
       <dgm:spPr/>
+      <dgm:t>
+        <a:bodyPr/>
+        <a:lstStyle/>
+        <a:p>
+          <a:endParaRPr lang="en-US"/>
+        </a:p>
+      </dgm:t>
     </dgm:pt>
     <dgm:pt modelId="{2CDF0401-73B9-4832-BF6A-D2834FB347B7}" type="pres">
       <dgm:prSet presAssocID="{AD8B2EAA-ACE0-419D-904D-4D0FAD5ADB79}" presName="connectorText" presStyleLbl="sibTrans2D1" presStyleIdx="4" presStyleCnt="5"/>
       <dgm:spPr/>
+      <dgm:t>
+        <a:bodyPr/>
+        <a:lstStyle/>
+        <a:p>
+          <a:endParaRPr lang="en-US"/>
+        </a:p>
+      </dgm:t>
     </dgm:pt>
     <dgm:pt modelId="{F515784F-D310-4BDC-8838-E5904496A175}" type="pres">
       <dgm:prSet presAssocID="{3AC76F95-62E8-4863-ACC3-087766FBA399}" presName="node" presStyleLbl="node1" presStyleIdx="5" presStyleCnt="6">
@@ -2552,6 +2631,13 @@
         </dgm:presLayoutVars>
       </dgm:prSet>
       <dgm:spPr/>
+      <dgm:t>
+        <a:bodyPr/>
+        <a:lstStyle/>
+        <a:p>
+          <a:endParaRPr lang="en-US"/>
+        </a:p>
+      </dgm:t>
     </dgm:pt>
     <dgm:pt modelId="{A1E5D04D-1425-4361-B38B-E852D82485D4}" type="pres">
       <dgm:prSet presAssocID="{0CCDA0B6-985F-42F5-BA0F-7589A4A936D7}" presName="node" presStyleLbl="node1" presStyleIdx="0" presStyleCnt="6">
@@ -2571,10 +2657,24 @@
     <dgm:pt modelId="{3B7FF7EB-A02E-4910-97E3-DEF77E5AEE5B}" type="pres">
       <dgm:prSet presAssocID="{CFAC1346-CB8F-4AC7-B9A6-5DA2FD97D21A}" presName="sibTrans" presStyleLbl="sibTrans2D1" presStyleIdx="0" presStyleCnt="5"/>
       <dgm:spPr/>
+      <dgm:t>
+        <a:bodyPr/>
+        <a:lstStyle/>
+        <a:p>
+          <a:endParaRPr lang="en-US"/>
+        </a:p>
+      </dgm:t>
     </dgm:pt>
     <dgm:pt modelId="{90D12C42-D30D-4391-B383-383496CD37DE}" type="pres">
       <dgm:prSet presAssocID="{CFAC1346-CB8F-4AC7-B9A6-5DA2FD97D21A}" presName="connectorText" presStyleLbl="sibTrans2D1" presStyleIdx="0" presStyleCnt="5"/>
       <dgm:spPr/>
+      <dgm:t>
+        <a:bodyPr/>
+        <a:lstStyle/>
+        <a:p>
+          <a:endParaRPr lang="en-US"/>
+        </a:p>
+      </dgm:t>
     </dgm:pt>
     <dgm:pt modelId="{B9DE4076-0EFF-4A68-8754-27DD7CFEA8A2}" type="pres">
       <dgm:prSet presAssocID="{9D907AD1-F30F-434B-BA3E-F2E5D2F396D3}" presName="node" presStyleLbl="node1" presStyleIdx="1" presStyleCnt="6">
@@ -2594,10 +2694,24 @@
     <dgm:pt modelId="{7707D5E9-8F4A-4B4D-BA51-7CF2C5A4DD13}" type="pres">
       <dgm:prSet presAssocID="{50A09A22-20B7-497B-8B49-742D31F3AF16}" presName="sibTrans" presStyleLbl="sibTrans2D1" presStyleIdx="1" presStyleCnt="5"/>
       <dgm:spPr/>
+      <dgm:t>
+        <a:bodyPr/>
+        <a:lstStyle/>
+        <a:p>
+          <a:endParaRPr lang="en-US"/>
+        </a:p>
+      </dgm:t>
     </dgm:pt>
     <dgm:pt modelId="{0136BB49-185D-4F75-AEC8-CE90D055F8F9}" type="pres">
       <dgm:prSet presAssocID="{50A09A22-20B7-497B-8B49-742D31F3AF16}" presName="connectorText" presStyleLbl="sibTrans2D1" presStyleIdx="1" presStyleCnt="5"/>
       <dgm:spPr/>
+      <dgm:t>
+        <a:bodyPr/>
+        <a:lstStyle/>
+        <a:p>
+          <a:endParaRPr lang="en-US"/>
+        </a:p>
+      </dgm:t>
     </dgm:pt>
     <dgm:pt modelId="{ADB21E0B-208E-415F-879F-CCCD16881E2B}" type="pres">
       <dgm:prSet presAssocID="{081A5781-F08E-4EA5-971C-5F3B9537DE0C}" presName="node" presStyleLbl="node1" presStyleIdx="2" presStyleCnt="6">
@@ -2617,10 +2731,24 @@
     <dgm:pt modelId="{1300CB8A-CC4B-443E-88FD-F4F73F46C2F9}" type="pres">
       <dgm:prSet presAssocID="{CB13CCB7-8D27-46FB-AC4A-8F1622D6D757}" presName="sibTrans" presStyleLbl="sibTrans2D1" presStyleIdx="2" presStyleCnt="5"/>
       <dgm:spPr/>
+      <dgm:t>
+        <a:bodyPr/>
+        <a:lstStyle/>
+        <a:p>
+          <a:endParaRPr lang="en-US"/>
+        </a:p>
+      </dgm:t>
     </dgm:pt>
     <dgm:pt modelId="{C5180337-B20D-48AA-BDA7-A31E1E0150AA}" type="pres">
       <dgm:prSet presAssocID="{CB13CCB7-8D27-46FB-AC4A-8F1622D6D757}" presName="connectorText" presStyleLbl="sibTrans2D1" presStyleIdx="2" presStyleCnt="5"/>
       <dgm:spPr/>
+      <dgm:t>
+        <a:bodyPr/>
+        <a:lstStyle/>
+        <a:p>
+          <a:endParaRPr lang="en-US"/>
+        </a:p>
+      </dgm:t>
     </dgm:pt>
     <dgm:pt modelId="{4B1FCB80-E024-477F-926D-0278CBD56124}" type="pres">
       <dgm:prSet presAssocID="{6F617A8F-7B17-4FF5-9D28-E48A710FB28F}" presName="node" presStyleLbl="node1" presStyleIdx="3" presStyleCnt="6">
@@ -2640,10 +2768,24 @@
     <dgm:pt modelId="{56EC91C5-4FD9-4B48-8505-EB537665E833}" type="pres">
       <dgm:prSet presAssocID="{53299D1B-D867-48CB-8CAA-C8392B1130A6}" presName="sibTrans" presStyleLbl="sibTrans2D1" presStyleIdx="3" presStyleCnt="5"/>
       <dgm:spPr/>
+      <dgm:t>
+        <a:bodyPr/>
+        <a:lstStyle/>
+        <a:p>
+          <a:endParaRPr lang="en-US"/>
+        </a:p>
+      </dgm:t>
     </dgm:pt>
     <dgm:pt modelId="{4417472E-BF3A-49CF-AFF7-C56F8AB00833}" type="pres">
       <dgm:prSet presAssocID="{53299D1B-D867-48CB-8CAA-C8392B1130A6}" presName="connectorText" presStyleLbl="sibTrans2D1" presStyleIdx="3" presStyleCnt="5"/>
       <dgm:spPr/>
+      <dgm:t>
+        <a:bodyPr/>
+        <a:lstStyle/>
+        <a:p>
+          <a:endParaRPr lang="en-US"/>
+        </a:p>
+      </dgm:t>
     </dgm:pt>
     <dgm:pt modelId="{85823DB6-3E94-402E-8362-91988A6CE5AB}" type="pres">
       <dgm:prSet presAssocID="{15D97B0E-ACE4-4E03-8724-9A4182F54CE9}" presName="node" presStyleLbl="node1" presStyleIdx="4" presStyleCnt="6">
@@ -2663,10 +2805,24 @@
     <dgm:pt modelId="{3C477F92-1258-40F7-AF40-968A2E119527}" type="pres">
       <dgm:prSet presAssocID="{AD8B2EAA-ACE0-419D-904D-4D0FAD5ADB79}" presName="sibTrans" presStyleLbl="sibTrans2D1" presStyleIdx="4" presStyleCnt="5"/>
       <dgm:spPr/>
+      <dgm:t>
+        <a:bodyPr/>
+        <a:lstStyle/>
+        <a:p>
+          <a:endParaRPr lang="en-US"/>
+        </a:p>
+      </dgm:t>
     </dgm:pt>
     <dgm:pt modelId="{2CDF0401-73B9-4832-BF6A-D2834FB347B7}" type="pres">
       <dgm:prSet presAssocID="{AD8B2EAA-ACE0-419D-904D-4D0FAD5ADB79}" presName="connectorText" presStyleLbl="sibTrans2D1" presStyleIdx="4" presStyleCnt="5"/>
       <dgm:spPr/>
+      <dgm:t>
+        <a:bodyPr/>
+        <a:lstStyle/>
+        <a:p>
+          <a:endParaRPr lang="en-US"/>
+        </a:p>
+      </dgm:t>
     </dgm:pt>
     <dgm:pt modelId="{F515784F-D310-4BDC-8838-E5904496A175}" type="pres">
       <dgm:prSet presAssocID="{3AC76F95-62E8-4863-ACC3-087766FBA399}" presName="node" presStyleLbl="node1" presStyleIdx="5" presStyleCnt="6">
@@ -2685,29 +2841,29 @@
     </dgm:pt>
   </dgm:ptLst>
   <dgm:cxnLst>
-    <dgm:cxn modelId="{AEF56334-065E-46E3-998F-63314D32828B}" type="presOf" srcId="{921A0888-3E7B-4FE9-AD87-230AD4E840E8}" destId="{61ED5795-4469-4D21-A0E5-55EB851D4F39}" srcOrd="0" destOrd="0" presId="urn:microsoft.com/office/officeart/2005/8/layout/process5"/>
-    <dgm:cxn modelId="{37BDF608-BB15-4DED-BAA9-623C1ED39D2D}" type="presOf" srcId="{081A5781-F08E-4EA5-971C-5F3B9537DE0C}" destId="{ADB21E0B-208E-415F-879F-CCCD16881E2B}" srcOrd="0" destOrd="0" presId="urn:microsoft.com/office/officeart/2005/8/layout/process5"/>
-    <dgm:cxn modelId="{1FDE499D-3506-40D9-A4FE-3E6D2840E13E}" srcId="{921A0888-3E7B-4FE9-AD87-230AD4E840E8}" destId="{15D97B0E-ACE4-4E03-8724-9A4182F54CE9}" srcOrd="4" destOrd="0" parTransId="{F8998EEE-F15D-4044-B555-E96F7A792026}" sibTransId="{AD8B2EAA-ACE0-419D-904D-4D0FAD5ADB79}"/>
-    <dgm:cxn modelId="{73D38738-7D1D-4CBB-890B-0C249EF20F0D}" type="presOf" srcId="{CFAC1346-CB8F-4AC7-B9A6-5DA2FD97D21A}" destId="{90D12C42-D30D-4391-B383-383496CD37DE}" srcOrd="1" destOrd="0" presId="urn:microsoft.com/office/officeart/2005/8/layout/process5"/>
-    <dgm:cxn modelId="{3DB8E257-1404-4622-935D-26ED2B1D991A}" type="presOf" srcId="{3AC76F95-62E8-4863-ACC3-087766FBA399}" destId="{F515784F-D310-4BDC-8838-E5904496A175}" srcOrd="0" destOrd="0" presId="urn:microsoft.com/office/officeart/2005/8/layout/process5"/>
-    <dgm:cxn modelId="{0E54CDC8-0A85-4441-B31A-419793E7EDDD}" type="presOf" srcId="{AD8B2EAA-ACE0-419D-904D-4D0FAD5ADB79}" destId="{2CDF0401-73B9-4832-BF6A-D2834FB347B7}" srcOrd="1" destOrd="0" presId="urn:microsoft.com/office/officeart/2005/8/layout/process5"/>
-    <dgm:cxn modelId="{8E6B3DC9-CB42-4873-88F8-40A249AE5A4C}" type="presOf" srcId="{0CCDA0B6-985F-42F5-BA0F-7589A4A936D7}" destId="{A1E5D04D-1425-4361-B38B-E852D82485D4}" srcOrd="0" destOrd="0" presId="urn:microsoft.com/office/officeart/2005/8/layout/process5"/>
-    <dgm:cxn modelId="{92470E9B-D27C-43DA-BDB1-FBDCA91F38AD}" srcId="{921A0888-3E7B-4FE9-AD87-230AD4E840E8}" destId="{081A5781-F08E-4EA5-971C-5F3B9537DE0C}" srcOrd="2" destOrd="0" parTransId="{AFCA9BE9-F20B-40A3-885B-C31E3E59F8FA}" sibTransId="{CB13CCB7-8D27-46FB-AC4A-8F1622D6D757}"/>
-    <dgm:cxn modelId="{0E033A13-92A1-4938-9150-DBBD24225813}" type="presOf" srcId="{CFAC1346-CB8F-4AC7-B9A6-5DA2FD97D21A}" destId="{3B7FF7EB-A02E-4910-97E3-DEF77E5AEE5B}" srcOrd="0" destOrd="0" presId="urn:microsoft.com/office/officeart/2005/8/layout/process5"/>
-    <dgm:cxn modelId="{0D30950F-CF85-46A3-8680-D127D2112D8C}" type="presOf" srcId="{CB13CCB7-8D27-46FB-AC4A-8F1622D6D757}" destId="{1300CB8A-CC4B-443E-88FD-F4F73F46C2F9}" srcOrd="0" destOrd="0" presId="urn:microsoft.com/office/officeart/2005/8/layout/process5"/>
-    <dgm:cxn modelId="{872173D2-9F0A-4995-8728-B097F07D3A57}" srcId="{921A0888-3E7B-4FE9-AD87-230AD4E840E8}" destId="{3AC76F95-62E8-4863-ACC3-087766FBA399}" srcOrd="5" destOrd="0" parTransId="{037E9735-E98C-4AB2-B900-A4A0AA6CB4FD}" sibTransId="{3CC1FFDB-A0A7-4F8F-B52B-C0C4CAD7E819}"/>
+    <dgm:cxn modelId="{0B5EF71F-4F8A-4473-9903-0E06E7BCC89C}" type="presOf" srcId="{53299D1B-D867-48CB-8CAA-C8392B1130A6}" destId="{56EC91C5-4FD9-4B48-8505-EB537665E833}" srcOrd="0" destOrd="0" presId="urn:microsoft.com/office/officeart/2005/8/layout/process5"/>
+    <dgm:cxn modelId="{8338E0E6-A838-48A0-876A-4400013BDD02}" type="presOf" srcId="{6F617A8F-7B17-4FF5-9D28-E48A710FB28F}" destId="{4B1FCB80-E024-477F-926D-0278CBD56124}" srcOrd="0" destOrd="0" presId="urn:microsoft.com/office/officeart/2005/8/layout/process5"/>
     <dgm:cxn modelId="{715BF673-74D1-4438-84EE-9782F8D8A7B2}" type="presOf" srcId="{CB13CCB7-8D27-46FB-AC4A-8F1622D6D757}" destId="{C5180337-B20D-48AA-BDA7-A31E1E0150AA}" srcOrd="1" destOrd="0" presId="urn:microsoft.com/office/officeart/2005/8/layout/process5"/>
     <dgm:cxn modelId="{C16254E9-8EB8-44B9-8AD1-37BBDB9D59B6}" type="presOf" srcId="{9D907AD1-F30F-434B-BA3E-F2E5D2F396D3}" destId="{B9DE4076-0EFF-4A68-8754-27DD7CFEA8A2}" srcOrd="0" destOrd="0" presId="urn:microsoft.com/office/officeart/2005/8/layout/process5"/>
     <dgm:cxn modelId="{BE7DD918-732D-489C-BBD0-22F95AA1D089}" srcId="{921A0888-3E7B-4FE9-AD87-230AD4E840E8}" destId="{0CCDA0B6-985F-42F5-BA0F-7589A4A936D7}" srcOrd="0" destOrd="0" parTransId="{02993AD2-8306-49E4-8C25-19E70BF65DD0}" sibTransId="{CFAC1346-CB8F-4AC7-B9A6-5DA2FD97D21A}"/>
-    <dgm:cxn modelId="{EEDA6799-2930-416D-ACFA-6940C4EB4722}" type="presOf" srcId="{AD8B2EAA-ACE0-419D-904D-4D0FAD5ADB79}" destId="{3C477F92-1258-40F7-AF40-968A2E119527}" srcOrd="0" destOrd="0" presId="urn:microsoft.com/office/officeart/2005/8/layout/process5"/>
-    <dgm:cxn modelId="{8338E0E6-A838-48A0-876A-4400013BDD02}" type="presOf" srcId="{6F617A8F-7B17-4FF5-9D28-E48A710FB28F}" destId="{4B1FCB80-E024-477F-926D-0278CBD56124}" srcOrd="0" destOrd="0" presId="urn:microsoft.com/office/officeart/2005/8/layout/process5"/>
-    <dgm:cxn modelId="{6B8DDDFB-442A-4454-BC77-2A7F6710047E}" srcId="{921A0888-3E7B-4FE9-AD87-230AD4E840E8}" destId="{6F617A8F-7B17-4FF5-9D28-E48A710FB28F}" srcOrd="3" destOrd="0" parTransId="{BBD4E6F2-3EA3-4CEF-8E28-F20382E82592}" sibTransId="{53299D1B-D867-48CB-8CAA-C8392B1130A6}"/>
+    <dgm:cxn modelId="{BEA2010D-0601-4FA8-A52E-8ACA63615490}" type="presOf" srcId="{53299D1B-D867-48CB-8CAA-C8392B1130A6}" destId="{4417472E-BF3A-49CF-AFF7-C56F8AB00833}" srcOrd="1" destOrd="0" presId="urn:microsoft.com/office/officeart/2005/8/layout/process5"/>
+    <dgm:cxn modelId="{AEF56334-065E-46E3-998F-63314D32828B}" type="presOf" srcId="{921A0888-3E7B-4FE9-AD87-230AD4E840E8}" destId="{61ED5795-4469-4D21-A0E5-55EB851D4F39}" srcOrd="0" destOrd="0" presId="urn:microsoft.com/office/officeart/2005/8/layout/process5"/>
+    <dgm:cxn modelId="{D8C79268-9404-4429-BF16-6E0BFA102F30}" type="presOf" srcId="{15D97B0E-ACE4-4E03-8724-9A4182F54CE9}" destId="{85823DB6-3E94-402E-8362-91988A6CE5AB}" srcOrd="0" destOrd="0" presId="urn:microsoft.com/office/officeart/2005/8/layout/process5"/>
+    <dgm:cxn modelId="{3DB8E257-1404-4622-935D-26ED2B1D991A}" type="presOf" srcId="{3AC76F95-62E8-4863-ACC3-087766FBA399}" destId="{F515784F-D310-4BDC-8838-E5904496A175}" srcOrd="0" destOrd="0" presId="urn:microsoft.com/office/officeart/2005/8/layout/process5"/>
+    <dgm:cxn modelId="{1FDE499D-3506-40D9-A4FE-3E6D2840E13E}" srcId="{921A0888-3E7B-4FE9-AD87-230AD4E840E8}" destId="{15D97B0E-ACE4-4E03-8724-9A4182F54CE9}" srcOrd="4" destOrd="0" parTransId="{F8998EEE-F15D-4044-B555-E96F7A792026}" sibTransId="{AD8B2EAA-ACE0-419D-904D-4D0FAD5ADB79}"/>
+    <dgm:cxn modelId="{0D30950F-CF85-46A3-8680-D127D2112D8C}" type="presOf" srcId="{CB13CCB7-8D27-46FB-AC4A-8F1622D6D757}" destId="{1300CB8A-CC4B-443E-88FD-F4F73F46C2F9}" srcOrd="0" destOrd="0" presId="urn:microsoft.com/office/officeart/2005/8/layout/process5"/>
+    <dgm:cxn modelId="{0E033A13-92A1-4938-9150-DBBD24225813}" type="presOf" srcId="{CFAC1346-CB8F-4AC7-B9A6-5DA2FD97D21A}" destId="{3B7FF7EB-A02E-4910-97E3-DEF77E5AEE5B}" srcOrd="0" destOrd="0" presId="urn:microsoft.com/office/officeart/2005/8/layout/process5"/>
+    <dgm:cxn modelId="{37BDF608-BB15-4DED-BAA9-623C1ED39D2D}" type="presOf" srcId="{081A5781-F08E-4EA5-971C-5F3B9537DE0C}" destId="{ADB21E0B-208E-415F-879F-CCCD16881E2B}" srcOrd="0" destOrd="0" presId="urn:microsoft.com/office/officeart/2005/8/layout/process5"/>
     <dgm:cxn modelId="{63883D68-4945-409D-A7B3-B7C823107EF5}" type="presOf" srcId="{50A09A22-20B7-497B-8B49-742D31F3AF16}" destId="{0136BB49-185D-4F75-AEC8-CE90D055F8F9}" srcOrd="1" destOrd="0" presId="urn:microsoft.com/office/officeart/2005/8/layout/process5"/>
     <dgm:cxn modelId="{3730D8F4-D2CD-4C95-8FA0-460094DBA679}" srcId="{921A0888-3E7B-4FE9-AD87-230AD4E840E8}" destId="{9D907AD1-F30F-434B-BA3E-F2E5D2F396D3}" srcOrd="1" destOrd="0" parTransId="{231ACA5C-044B-4F1A-BCB2-0C63AC5B45C3}" sibTransId="{50A09A22-20B7-497B-8B49-742D31F3AF16}"/>
-    <dgm:cxn modelId="{0B5EF71F-4F8A-4473-9903-0E06E7BCC89C}" type="presOf" srcId="{53299D1B-D867-48CB-8CAA-C8392B1130A6}" destId="{56EC91C5-4FD9-4B48-8505-EB537665E833}" srcOrd="0" destOrd="0" presId="urn:microsoft.com/office/officeart/2005/8/layout/process5"/>
+    <dgm:cxn modelId="{0E54CDC8-0A85-4441-B31A-419793E7EDDD}" type="presOf" srcId="{AD8B2EAA-ACE0-419D-904D-4D0FAD5ADB79}" destId="{2CDF0401-73B9-4832-BF6A-D2834FB347B7}" srcOrd="1" destOrd="0" presId="urn:microsoft.com/office/officeart/2005/8/layout/process5"/>
+    <dgm:cxn modelId="{8E6B3DC9-CB42-4873-88F8-40A249AE5A4C}" type="presOf" srcId="{0CCDA0B6-985F-42F5-BA0F-7589A4A936D7}" destId="{A1E5D04D-1425-4361-B38B-E852D82485D4}" srcOrd="0" destOrd="0" presId="urn:microsoft.com/office/officeart/2005/8/layout/process5"/>
+    <dgm:cxn modelId="{73D38738-7D1D-4CBB-890B-0C249EF20F0D}" type="presOf" srcId="{CFAC1346-CB8F-4AC7-B9A6-5DA2FD97D21A}" destId="{90D12C42-D30D-4391-B383-383496CD37DE}" srcOrd="1" destOrd="0" presId="urn:microsoft.com/office/officeart/2005/8/layout/process5"/>
     <dgm:cxn modelId="{46CA267F-0980-402D-8F11-1C47FE5E1342}" type="presOf" srcId="{50A09A22-20B7-497B-8B49-742D31F3AF16}" destId="{7707D5E9-8F4A-4B4D-BA51-7CF2C5A4DD13}" srcOrd="0" destOrd="0" presId="urn:microsoft.com/office/officeart/2005/8/layout/process5"/>
-    <dgm:cxn modelId="{D8C79268-9404-4429-BF16-6E0BFA102F30}" type="presOf" srcId="{15D97B0E-ACE4-4E03-8724-9A4182F54CE9}" destId="{85823DB6-3E94-402E-8362-91988A6CE5AB}" srcOrd="0" destOrd="0" presId="urn:microsoft.com/office/officeart/2005/8/layout/process5"/>
-    <dgm:cxn modelId="{BEA2010D-0601-4FA8-A52E-8ACA63615490}" type="presOf" srcId="{53299D1B-D867-48CB-8CAA-C8392B1130A6}" destId="{4417472E-BF3A-49CF-AFF7-C56F8AB00833}" srcOrd="1" destOrd="0" presId="urn:microsoft.com/office/officeart/2005/8/layout/process5"/>
+    <dgm:cxn modelId="{92470E9B-D27C-43DA-BDB1-FBDCA91F38AD}" srcId="{921A0888-3E7B-4FE9-AD87-230AD4E840E8}" destId="{081A5781-F08E-4EA5-971C-5F3B9537DE0C}" srcOrd="2" destOrd="0" parTransId="{AFCA9BE9-F20B-40A3-885B-C31E3E59F8FA}" sibTransId="{CB13CCB7-8D27-46FB-AC4A-8F1622D6D757}"/>
+    <dgm:cxn modelId="{EEDA6799-2930-416D-ACFA-6940C4EB4722}" type="presOf" srcId="{AD8B2EAA-ACE0-419D-904D-4D0FAD5ADB79}" destId="{3C477F92-1258-40F7-AF40-968A2E119527}" srcOrd="0" destOrd="0" presId="urn:microsoft.com/office/officeart/2005/8/layout/process5"/>
+    <dgm:cxn modelId="{6B8DDDFB-442A-4454-BC77-2A7F6710047E}" srcId="{921A0888-3E7B-4FE9-AD87-230AD4E840E8}" destId="{6F617A8F-7B17-4FF5-9D28-E48A710FB28F}" srcOrd="3" destOrd="0" parTransId="{BBD4E6F2-3EA3-4CEF-8E28-F20382E82592}" sibTransId="{53299D1B-D867-48CB-8CAA-C8392B1130A6}"/>
+    <dgm:cxn modelId="{872173D2-9F0A-4995-8728-B097F07D3A57}" srcId="{921A0888-3E7B-4FE9-AD87-230AD4E840E8}" destId="{3AC76F95-62E8-4863-ACC3-087766FBA399}" srcOrd="5" destOrd="0" parTransId="{037E9735-E98C-4AB2-B900-A4A0AA6CB4FD}" sibTransId="{3CC1FFDB-A0A7-4F8F-B52B-C0C4CAD7E819}"/>
     <dgm:cxn modelId="{1D689DE7-9522-4594-B68C-706D73F3DCEE}" type="presParOf" srcId="{61ED5795-4469-4D21-A0E5-55EB851D4F39}" destId="{A1E5D04D-1425-4361-B38B-E852D82485D4}" srcOrd="0" destOrd="0" presId="urn:microsoft.com/office/officeart/2005/8/layout/process5"/>
     <dgm:cxn modelId="{5EF771AD-942F-4AF2-B922-77F973A9E5B9}" type="presParOf" srcId="{61ED5795-4469-4D21-A0E5-55EB851D4F39}" destId="{3B7FF7EB-A02E-4910-97E3-DEF77E5AEE5B}" srcOrd="1" destOrd="0" presId="urn:microsoft.com/office/officeart/2005/8/layout/process5"/>
     <dgm:cxn modelId="{DFD9472D-2CBB-4C00-BF7D-98E9C4F9E2DD}" type="presParOf" srcId="{3B7FF7EB-A02E-4910-97E3-DEF77E5AEE5B}" destId="{90D12C42-D30D-4391-B383-383496CD37DE}" srcOrd="0" destOrd="0" presId="urn:microsoft.com/office/officeart/2005/8/layout/process5"/>
@@ -11921,6 +12077,327 @@
 </p:sld>
 </file>
 
+<file path=ppt/slides/slide10.xml><?xml version="1.0" encoding="utf-8"?>
+<p:sld xmlns:a="http://schemas.openxmlformats.org/drawingml/2006/main" xmlns:r="http://schemas.openxmlformats.org/officeDocument/2006/relationships" xmlns:p="http://schemas.openxmlformats.org/presentationml/2006/main">
+  <p:cSld>
+    <p:spTree>
+      <p:nvGrpSpPr>
+        <p:cNvPr id="1" name=""/>
+        <p:cNvGrpSpPr/>
+        <p:nvPr/>
+      </p:nvGrpSpPr>
+      <p:grpSpPr>
+        <a:xfrm>
+          <a:off x="0" y="0"/>
+          <a:ext cx="0" cy="0"/>
+          <a:chOff x="0" y="0"/>
+          <a:chExt cx="0" cy="0"/>
+        </a:xfrm>
+      </p:grpSpPr>
+      <p:sp>
+        <p:nvSpPr>
+          <p:cNvPr id="2" name="Title 1"/>
+          <p:cNvSpPr>
+            <a:spLocks noGrp="1"/>
+          </p:cNvSpPr>
+          <p:nvPr>
+            <p:ph type="title"/>
+          </p:nvPr>
+        </p:nvSpPr>
+        <p:spPr>
+          <a:xfrm>
+            <a:off x="7389812" y="609600"/>
+            <a:ext cx="4122420" cy="762000"/>
+          </a:xfrm>
+        </p:spPr>
+        <p:txBody>
+          <a:bodyPr>
+            <a:normAutofit fontScale="90000"/>
+          </a:bodyPr>
+          <a:lstStyle/>
+          <a:p>
+            <a:r>
+              <a:rPr lang="en-US" sz="3600" dirty="0" smtClean="0"/>
+              <a:t>Prototype GUI Studio</a:t>
+            </a:r>
+            <a:endParaRPr lang="en-US" sz="3600" dirty="0"/>
+          </a:p>
+        </p:txBody>
+      </p:sp>
+      <p:sp>
+        <p:nvSpPr>
+          <p:cNvPr id="4" name="Text Placeholder 3"/>
+          <p:cNvSpPr>
+            <a:spLocks noGrp="1"/>
+          </p:cNvSpPr>
+          <p:nvPr>
+            <p:ph type="body" sz="half" idx="2"/>
+          </p:nvPr>
+        </p:nvSpPr>
+        <p:spPr>
+          <a:xfrm>
+            <a:off x="2894012" y="5334000"/>
+            <a:ext cx="2844060" cy="635001"/>
+          </a:xfrm>
+        </p:spPr>
+        <p:txBody>
+          <a:bodyPr/>
+          <a:lstStyle/>
+          <a:p>
+            <a:pPr algn="ctr">
+              <a:spcBef>
+                <a:spcPts val="600"/>
+              </a:spcBef>
+              <a:spcAft>
+                <a:spcPts val="1800"/>
+              </a:spcAft>
+            </a:pPr>
+            <a:r>
+              <a:rPr lang="en-US" b="1" i="1" dirty="0" err="1">
+                <a:latin typeface="Times New Roman" panose="02020603050405020304" pitchFamily="18" charset="0"/>
+                <a:ea typeface="Arial" panose="020B0604020202020204" pitchFamily="34" charset="0"/>
+                <a:cs typeface="Times New Roman" panose="02020603050405020304" pitchFamily="18" charset="0"/>
+              </a:rPr>
+              <a:t>Quản</a:t>
+            </a:r>
+            <a:r>
+              <a:rPr lang="en-US" b="1" i="1" dirty="0">
+                <a:latin typeface="Times New Roman" panose="02020603050405020304" pitchFamily="18" charset="0"/>
+                <a:ea typeface="Arial" panose="020B0604020202020204" pitchFamily="34" charset="0"/>
+                <a:cs typeface="Times New Roman" panose="02020603050405020304" pitchFamily="18" charset="0"/>
+              </a:rPr>
+              <a:t> </a:t>
+            </a:r>
+            <a:r>
+              <a:rPr lang="en-US" b="1" i="1" dirty="0" err="1">
+                <a:latin typeface="Times New Roman" panose="02020603050405020304" pitchFamily="18" charset="0"/>
+                <a:ea typeface="Arial" panose="020B0604020202020204" pitchFamily="34" charset="0"/>
+                <a:cs typeface="Times New Roman" panose="02020603050405020304" pitchFamily="18" charset="0"/>
+              </a:rPr>
+              <a:t>lý</a:t>
+            </a:r>
+            <a:r>
+              <a:rPr lang="en-US" b="1" i="1" dirty="0">
+                <a:latin typeface="Times New Roman" panose="02020603050405020304" pitchFamily="18" charset="0"/>
+                <a:ea typeface="Arial" panose="020B0604020202020204" pitchFamily="34" charset="0"/>
+                <a:cs typeface="Times New Roman" panose="02020603050405020304" pitchFamily="18" charset="0"/>
+              </a:rPr>
+              <a:t> </a:t>
+            </a:r>
+            <a:r>
+              <a:rPr lang="en-US" b="1" i="1" dirty="0" err="1">
+                <a:latin typeface="Times New Roman" panose="02020603050405020304" pitchFamily="18" charset="0"/>
+                <a:ea typeface="Arial" panose="020B0604020202020204" pitchFamily="34" charset="0"/>
+                <a:cs typeface="Times New Roman" panose="02020603050405020304" pitchFamily="18" charset="0"/>
+              </a:rPr>
+              <a:t>nhà</a:t>
+            </a:r>
+            <a:r>
+              <a:rPr lang="en-US" b="1" i="1" dirty="0">
+                <a:latin typeface="Times New Roman" panose="02020603050405020304" pitchFamily="18" charset="0"/>
+                <a:ea typeface="Arial" panose="020B0604020202020204" pitchFamily="34" charset="0"/>
+                <a:cs typeface="Times New Roman" panose="02020603050405020304" pitchFamily="18" charset="0"/>
+              </a:rPr>
+              <a:t> </a:t>
+            </a:r>
+            <a:r>
+              <a:rPr lang="en-US" b="1" i="1" dirty="0" err="1">
+                <a:latin typeface="Times New Roman" panose="02020603050405020304" pitchFamily="18" charset="0"/>
+                <a:ea typeface="Arial" panose="020B0604020202020204" pitchFamily="34" charset="0"/>
+                <a:cs typeface="Times New Roman" panose="02020603050405020304" pitchFamily="18" charset="0"/>
+              </a:rPr>
+              <a:t>cung</a:t>
+            </a:r>
+            <a:r>
+              <a:rPr lang="en-US" b="1" i="1" dirty="0">
+                <a:latin typeface="Times New Roman" panose="02020603050405020304" pitchFamily="18" charset="0"/>
+                <a:ea typeface="Arial" panose="020B0604020202020204" pitchFamily="34" charset="0"/>
+                <a:cs typeface="Times New Roman" panose="02020603050405020304" pitchFamily="18" charset="0"/>
+              </a:rPr>
+              <a:t> </a:t>
+            </a:r>
+            <a:r>
+              <a:rPr lang="en-US" b="1" i="1" dirty="0" err="1">
+                <a:latin typeface="Times New Roman" panose="02020603050405020304" pitchFamily="18" charset="0"/>
+                <a:ea typeface="Arial" panose="020B0604020202020204" pitchFamily="34" charset="0"/>
+                <a:cs typeface="Times New Roman" panose="02020603050405020304" pitchFamily="18" charset="0"/>
+              </a:rPr>
+              <a:t>cấp</a:t>
+            </a:r>
+            <a:endParaRPr lang="en-US" b="1" i="1" dirty="0">
+              <a:latin typeface="Times New Roman" panose="02020603050405020304" pitchFamily="18" charset="0"/>
+              <a:ea typeface="Arial" panose="020B0604020202020204" pitchFamily="34" charset="0"/>
+              <a:cs typeface="Times New Roman" panose="02020603050405020304" pitchFamily="18" charset="0"/>
+            </a:endParaRPr>
+          </a:p>
+          <a:p>
+            <a:endParaRPr lang="en-US" dirty="0"/>
+          </a:p>
+        </p:txBody>
+      </p:sp>
+      <p:pic>
+        <p:nvPicPr>
+          <p:cNvPr id="6" name="Picture 5"/>
+          <p:cNvPicPr/>
+          <p:nvPr/>
+        </p:nvPicPr>
+        <p:blipFill>
+          <a:blip r:embed="rId2">
+            <a:extLst>
+              <a:ext uri="{28A0092B-C50C-407E-A947-70E740481C1C}">
+                <a14:useLocalDpi xmlns:a14="http://schemas.microsoft.com/office/drawing/2010/main" val="0"/>
+              </a:ext>
+            </a:extLst>
+          </a:blip>
+          <a:stretch>
+            <a:fillRect/>
+          </a:stretch>
+        </p:blipFill>
+        <p:spPr>
+          <a:xfrm>
+            <a:off x="1217612" y="693134"/>
+            <a:ext cx="6019800" cy="5366222"/>
+          </a:xfrm>
+          <a:prstGeom prst="rect">
+            <a:avLst/>
+          </a:prstGeom>
+        </p:spPr>
+      </p:pic>
+    </p:spTree>
+    <p:extLst>
+      <p:ext uri="{BB962C8B-B14F-4D97-AF65-F5344CB8AC3E}">
+        <p14:creationId xmlns:p14="http://schemas.microsoft.com/office/powerpoint/2010/main" val="1193092301"/>
+      </p:ext>
+    </p:extLst>
+  </p:cSld>
+  <p:clrMapOvr>
+    <a:masterClrMapping/>
+  </p:clrMapOvr>
+  <mc:AlternateContent xmlns:mc="http://schemas.openxmlformats.org/markup-compatibility/2006">
+    <mc:Choice xmlns:p14="http://schemas.microsoft.com/office/powerpoint/2010/main" Requires="p14">
+      <p:transition spd="med" p14:dur="700">
+        <p:fade/>
+      </p:transition>
+    </mc:Choice>
+    <mc:Fallback>
+      <p:transition spd="med">
+        <p:fade/>
+      </p:transition>
+    </mc:Fallback>
+  </mc:AlternateContent>
+  <p:timing>
+    <p:tnLst>
+      <p:par>
+        <p:cTn id="1" dur="indefinite" restart="never" nodeType="tmRoot"/>
+      </p:par>
+    </p:tnLst>
+  </p:timing>
+</p:sld>
+</file>
+
+<file path=ppt/slides/slide11.xml><?xml version="1.0" encoding="utf-8"?>
+<p:sld xmlns:a="http://schemas.openxmlformats.org/drawingml/2006/main" xmlns:r="http://schemas.openxmlformats.org/officeDocument/2006/relationships" xmlns:p="http://schemas.openxmlformats.org/presentationml/2006/main">
+  <p:cSld>
+    <p:spTree>
+      <p:nvGrpSpPr>
+        <p:cNvPr id="1" name=""/>
+        <p:cNvGrpSpPr/>
+        <p:nvPr/>
+      </p:nvGrpSpPr>
+      <p:grpSpPr>
+        <a:xfrm>
+          <a:off x="0" y="0"/>
+          <a:ext cx="0" cy="0"/>
+          <a:chOff x="0" y="0"/>
+          <a:chExt cx="0" cy="0"/>
+        </a:xfrm>
+      </p:grpSpPr>
+      <p:sp>
+        <p:nvSpPr>
+          <p:cNvPr id="2" name="Title 1"/>
+          <p:cNvSpPr>
+            <a:spLocks noGrp="1"/>
+          </p:cNvSpPr>
+          <p:nvPr>
+            <p:ph type="title"/>
+          </p:nvPr>
+        </p:nvSpPr>
+        <p:spPr/>
+        <p:txBody>
+          <a:bodyPr/>
+          <a:lstStyle/>
+          <a:p>
+            <a:r>
+              <a:rPr lang="en-US" dirty="0" smtClean="0"/>
+              <a:t>Story Board</a:t>
+            </a:r>
+            <a:endParaRPr lang="en-US" dirty="0"/>
+          </a:p>
+        </p:txBody>
+      </p:sp>
+      <p:sp>
+        <p:nvSpPr>
+          <p:cNvPr id="3" name="Picture Placeholder 2"/>
+          <p:cNvSpPr>
+            <a:spLocks noGrp="1"/>
+          </p:cNvSpPr>
+          <p:nvPr>
+            <p:ph type="pic" idx="1"/>
+          </p:nvPr>
+        </p:nvSpPr>
+        <p:spPr/>
+      </p:sp>
+      <p:sp>
+        <p:nvSpPr>
+          <p:cNvPr id="4" name="Text Placeholder 3"/>
+          <p:cNvSpPr>
+            <a:spLocks noGrp="1"/>
+          </p:cNvSpPr>
+          <p:nvPr>
+            <p:ph type="body" sz="half" idx="2"/>
+          </p:nvPr>
+        </p:nvSpPr>
+        <p:spPr/>
+        <p:txBody>
+          <a:bodyPr/>
+          <a:lstStyle/>
+          <a:p>
+            <a:endParaRPr lang="en-US" dirty="0"/>
+          </a:p>
+        </p:txBody>
+      </p:sp>
+    </p:spTree>
+    <p:extLst>
+      <p:ext uri="{BB962C8B-B14F-4D97-AF65-F5344CB8AC3E}">
+        <p14:creationId xmlns:p14="http://schemas.microsoft.com/office/powerpoint/2010/main" val="236742667"/>
+      </p:ext>
+    </p:extLst>
+  </p:cSld>
+  <p:clrMapOvr>
+    <a:masterClrMapping/>
+  </p:clrMapOvr>
+  <mc:AlternateContent xmlns:mc="http://schemas.openxmlformats.org/markup-compatibility/2006" xmlns:p14="http://schemas.microsoft.com/office/powerpoint/2010/main">
+    <mc:Choice Requires="p14">
+      <p:transition spd="med" p14:dur="700">
+        <p:fade/>
+      </p:transition>
+    </mc:Choice>
+    <mc:Fallback xmlns="">
+      <p:transition spd="med">
+        <p:fade/>
+      </p:transition>
+    </mc:Fallback>
+  </mc:AlternateContent>
+  <p:timing>
+    <p:tnLst>
+      <p:par>
+        <p:cTn id="1" dur="indefinite" restart="never" nodeType="tmRoot"/>
+      </p:par>
+    </p:tnLst>
+  </p:timing>
+</p:sld>
+</file>
+
 <file path=ppt/slides/slide2.xml><?xml version="1.0" encoding="utf-8"?>
 <p:sld xmlns:a="http://schemas.openxmlformats.org/drawingml/2006/main" xmlns:r="http://schemas.openxmlformats.org/officeDocument/2006/relationships" xmlns:p="http://schemas.openxmlformats.org/presentationml/2006/main">
   <p:cSld>
@@ -12046,23 +12523,7 @@
           <a:p>
             <a:r>
               <a:rPr lang="vi-VN" dirty="0"/>
-              <a:t>Công ty Chang.Closet hiện </a:t>
-            </a:r>
-            <a:r>
-              <a:rPr lang="vi-VN" dirty="0"/>
-              <a:t>là </a:t>
-            </a:r>
-            <a:r>
-              <a:rPr lang="vi-VN" dirty="0"/>
-              <a:t>một cửa bán quần </a:t>
-            </a:r>
-            <a:r>
-              <a:rPr lang="vi-VN" dirty="0"/>
-              <a:t>áo,mọi </a:t>
-            </a:r>
-            <a:r>
-              <a:rPr lang="vi-VN" dirty="0"/>
-              <a:t>công việc xuất nhập hang hóa vẫn còn thủ công.Tất cả hàng hóa xuất, nhập, bán đều chỉ được lưu trữ </a:t>
+              <a:t>Công ty Chang.Closet hiện là một cửa bán quần áo,mọi công việc xuất nhập hang hóa vẫn còn thủ công.Tất cả hàng hóa xuất, nhập, bán đều chỉ được lưu trữ </a:t>
             </a:r>
             <a:r>
               <a:rPr lang="en-US" dirty="0" err="1"/>
@@ -12089,11 +12550,7 @@
             </a:r>
             <a:r>
               <a:rPr lang="vi-VN" sz="2400" dirty="0"/>
-              <a:t>khó </a:t>
-            </a:r>
-            <a:r>
-              <a:rPr lang="vi-VN" sz="2400" dirty="0"/>
-              <a:t>khăn trong việc kiểm số lượng hàng hóa lưu thông hàng ngày. </a:t>
+              <a:t>khó khăn trong việc kiểm số lượng hàng hóa lưu thông hàng ngày. </a:t>
             </a:r>
             <a:endParaRPr lang="en-US" sz="2400" dirty="0"/>
           </a:p>
@@ -12101,11 +12558,7 @@
             <a:pPr lvl="1"/>
             <a:r>
               <a:rPr lang="vi-VN" sz="2400" dirty="0"/>
-              <a:t>khó kiểm soát được lượng hàng tồn đọng hay đang thiếu không kịp xoay chuyển theo nhu cầu thị </a:t>
-            </a:r>
-            <a:r>
-              <a:rPr lang="vi-VN" sz="2400" dirty="0"/>
-              <a:t>trườn</a:t>
+              <a:t>khó kiểm soát được lượng hàng tồn đọng hay đang thiếu không kịp xoay chuyển theo nhu cầu thị trườn</a:t>
             </a:r>
             <a:r>
               <a:rPr lang="en-US" sz="2400" dirty="0"/>
@@ -14475,13 +14928,13 @@
   <p:clrMapOvr>
     <a:masterClrMapping/>
   </p:clrMapOvr>
-  <mc:AlternateContent xmlns:mc="http://schemas.openxmlformats.org/markup-compatibility/2006">
-    <mc:Choice xmlns:p14="http://schemas.microsoft.com/office/powerpoint/2010/main" Requires="p14">
+  <mc:AlternateContent xmlns:mc="http://schemas.openxmlformats.org/markup-compatibility/2006" xmlns:p14="http://schemas.microsoft.com/office/powerpoint/2010/main">
+    <mc:Choice Requires="p14">
       <p:transition spd="med" p14:dur="700">
         <p:fade/>
       </p:transition>
     </mc:Choice>
-    <mc:Fallback>
+    <mc:Fallback xmlns="">
       <p:transition spd="med">
         <p:fade/>
       </p:transition>
@@ -15028,18 +15481,25 @@
   <p:clrMapOvr>
     <a:masterClrMapping/>
   </p:clrMapOvr>
-  <mc:AlternateContent xmlns:mc="http://schemas.openxmlformats.org/markup-compatibility/2006">
-    <mc:Choice xmlns:p14="http://schemas.microsoft.com/office/powerpoint/2010/main" Requires="p14">
+  <mc:AlternateContent xmlns:mc="http://schemas.openxmlformats.org/markup-compatibility/2006" xmlns:p14="http://schemas.microsoft.com/office/powerpoint/2010/main">
+    <mc:Choice Requires="p14">
       <p:transition spd="med" p14:dur="700">
         <p:fade/>
       </p:transition>
     </mc:Choice>
-    <mc:Fallback>
+    <mc:Fallback xmlns="">
       <p:transition spd="med">
         <p:fade/>
       </p:transition>
     </mc:Fallback>
   </mc:AlternateContent>
+  <p:timing>
+    <p:tnLst>
+      <p:par>
+        <p:cTn id="1" dur="indefinite" restart="never" nodeType="tmRoot"/>
+      </p:par>
+    </p:tnLst>
+  </p:timing>
 </p:sld>
 </file>
 
@@ -15095,27 +15555,135 @@
             <p:ph type="body" sz="half" idx="2"/>
           </p:nvPr>
         </p:nvSpPr>
-        <p:spPr/>
+        <p:spPr>
+          <a:xfrm>
+            <a:off x="2894012" y="5334000"/>
+            <a:ext cx="2844060" cy="635001"/>
+          </a:xfrm>
+        </p:spPr>
         <p:txBody>
           <a:bodyPr/>
           <a:lstStyle/>
+          <a:p>
+            <a:pPr algn="ctr">
+              <a:spcBef>
+                <a:spcPts val="600"/>
+              </a:spcBef>
+              <a:spcAft>
+                <a:spcPts val="1800"/>
+              </a:spcAft>
+            </a:pPr>
+            <a:r>
+              <a:rPr lang="en-US" b="1" i="1" dirty="0" err="1">
+                <a:latin typeface="Times New Roman" panose="02020603050405020304" pitchFamily="18" charset="0"/>
+                <a:ea typeface="Arial" panose="020B0604020202020204" pitchFamily="34" charset="0"/>
+                <a:cs typeface="Times New Roman" panose="02020603050405020304" pitchFamily="18" charset="0"/>
+              </a:rPr>
+              <a:t>Quản</a:t>
+            </a:r>
+            <a:r>
+              <a:rPr lang="en-US" b="1" i="1" dirty="0">
+                <a:latin typeface="Times New Roman" panose="02020603050405020304" pitchFamily="18" charset="0"/>
+                <a:ea typeface="Arial" panose="020B0604020202020204" pitchFamily="34" charset="0"/>
+                <a:cs typeface="Times New Roman" panose="02020603050405020304" pitchFamily="18" charset="0"/>
+              </a:rPr>
+              <a:t> </a:t>
+            </a:r>
+            <a:r>
+              <a:rPr lang="en-US" b="1" i="1" dirty="0" err="1">
+                <a:latin typeface="Times New Roman" panose="02020603050405020304" pitchFamily="18" charset="0"/>
+                <a:ea typeface="Arial" panose="020B0604020202020204" pitchFamily="34" charset="0"/>
+                <a:cs typeface="Times New Roman" panose="02020603050405020304" pitchFamily="18" charset="0"/>
+              </a:rPr>
+              <a:t>lý</a:t>
+            </a:r>
+            <a:r>
+              <a:rPr lang="en-US" b="1" i="1" dirty="0">
+                <a:latin typeface="Times New Roman" panose="02020603050405020304" pitchFamily="18" charset="0"/>
+                <a:ea typeface="Arial" panose="020B0604020202020204" pitchFamily="34" charset="0"/>
+                <a:cs typeface="Times New Roman" panose="02020603050405020304" pitchFamily="18" charset="0"/>
+              </a:rPr>
+              <a:t> </a:t>
+            </a:r>
+            <a:r>
+              <a:rPr lang="en-US" b="1" i="1" dirty="0" err="1">
+                <a:latin typeface="Times New Roman" panose="02020603050405020304" pitchFamily="18" charset="0"/>
+                <a:ea typeface="Arial" panose="020B0604020202020204" pitchFamily="34" charset="0"/>
+                <a:cs typeface="Times New Roman" panose="02020603050405020304" pitchFamily="18" charset="0"/>
+              </a:rPr>
+              <a:t>nhà</a:t>
+            </a:r>
+            <a:r>
+              <a:rPr lang="en-US" b="1" i="1" dirty="0">
+                <a:latin typeface="Times New Roman" panose="02020603050405020304" pitchFamily="18" charset="0"/>
+                <a:ea typeface="Arial" panose="020B0604020202020204" pitchFamily="34" charset="0"/>
+                <a:cs typeface="Times New Roman" panose="02020603050405020304" pitchFamily="18" charset="0"/>
+              </a:rPr>
+              <a:t> </a:t>
+            </a:r>
+            <a:r>
+              <a:rPr lang="en-US" b="1" i="1" dirty="0" err="1">
+                <a:latin typeface="Times New Roman" panose="02020603050405020304" pitchFamily="18" charset="0"/>
+                <a:ea typeface="Arial" panose="020B0604020202020204" pitchFamily="34" charset="0"/>
+                <a:cs typeface="Times New Roman" panose="02020603050405020304" pitchFamily="18" charset="0"/>
+              </a:rPr>
+              <a:t>cung</a:t>
+            </a:r>
+            <a:r>
+              <a:rPr lang="en-US" b="1" i="1" dirty="0">
+                <a:latin typeface="Times New Roman" panose="02020603050405020304" pitchFamily="18" charset="0"/>
+                <a:ea typeface="Arial" panose="020B0604020202020204" pitchFamily="34" charset="0"/>
+                <a:cs typeface="Times New Roman" panose="02020603050405020304" pitchFamily="18" charset="0"/>
+              </a:rPr>
+              <a:t> </a:t>
+            </a:r>
+            <a:r>
+              <a:rPr lang="en-US" b="1" i="1" dirty="0" err="1">
+                <a:latin typeface="Times New Roman" panose="02020603050405020304" pitchFamily="18" charset="0"/>
+                <a:ea typeface="Arial" panose="020B0604020202020204" pitchFamily="34" charset="0"/>
+                <a:cs typeface="Times New Roman" panose="02020603050405020304" pitchFamily="18" charset="0"/>
+              </a:rPr>
+              <a:t>cấp</a:t>
+            </a:r>
+            <a:endParaRPr lang="en-US" b="1" i="1" dirty="0">
+              <a:latin typeface="Times New Roman" panose="02020603050405020304" pitchFamily="18" charset="0"/>
+              <a:ea typeface="Arial" panose="020B0604020202020204" pitchFamily="34" charset="0"/>
+              <a:cs typeface="Times New Roman" panose="02020603050405020304" pitchFamily="18" charset="0"/>
+            </a:endParaRPr>
+          </a:p>
           <a:p>
             <a:endParaRPr lang="en-US" dirty="0"/>
           </a:p>
         </p:txBody>
       </p:sp>
-      <p:sp>
-        <p:nvSpPr>
-          <p:cNvPr id="10" name="Picture Placeholder 9"/>
-          <p:cNvSpPr>
-            <a:spLocks noGrp="1"/>
-          </p:cNvSpPr>
-          <p:nvPr>
-            <p:ph type="pic" idx="1"/>
-          </p:nvPr>
-        </p:nvSpPr>
-        <p:spPr/>
-      </p:sp>
+      <p:pic>
+        <p:nvPicPr>
+          <p:cNvPr id="8" name="Picture 7"/>
+          <p:cNvPicPr/>
+          <p:nvPr/>
+        </p:nvPicPr>
+        <p:blipFill>
+          <a:blip r:embed="rId2">
+            <a:extLst>
+              <a:ext uri="{28A0092B-C50C-407E-A947-70E740481C1C}">
+                <a14:useLocalDpi xmlns:a14="http://schemas.microsoft.com/office/drawing/2010/main" val="0"/>
+              </a:ext>
+            </a:extLst>
+          </a:blip>
+          <a:stretch>
+            <a:fillRect/>
+          </a:stretch>
+        </p:blipFill>
+        <p:spPr>
+          <a:xfrm>
+            <a:off x="1218883" y="1828800"/>
+            <a:ext cx="6630576" cy="3276600"/>
+          </a:xfrm>
+          <a:prstGeom prst="rect">
+            <a:avLst/>
+          </a:prstGeom>
+        </p:spPr>
+      </p:pic>
     </p:spTree>
     <p:extLst>
       <p:ext uri="{BB962C8B-B14F-4D97-AF65-F5344CB8AC3E}">
@@ -15138,6 +15706,13 @@
       </p:transition>
     </mc:Fallback>
   </mc:AlternateContent>
+  <p:timing>
+    <p:tnLst>
+      <p:par>
+        <p:cTn id="1" dur="indefinite" restart="never" nodeType="tmRoot"/>
+      </p:par>
+    </p:tnLst>
+  </p:timing>
 </p:sld>
 </file>
 
@@ -15168,26 +15743,25 @@
             <p:ph type="title"/>
           </p:nvPr>
         </p:nvSpPr>
-        <p:spPr/>
+        <p:spPr>
+          <a:xfrm>
+            <a:off x="7389812" y="609600"/>
+            <a:ext cx="4122420" cy="762000"/>
+          </a:xfrm>
+        </p:spPr>
         <p:txBody>
-          <a:bodyPr/>
+          <a:bodyPr>
+            <a:normAutofit fontScale="90000"/>
+          </a:bodyPr>
           <a:lstStyle/>
           <a:p>
-            <a:endParaRPr lang="en-US" dirty="0"/>
+            <a:r>
+              <a:rPr lang="en-US" sz="3600" dirty="0" smtClean="0"/>
+              <a:t>Prototype GUI Studio</a:t>
+            </a:r>
+            <a:endParaRPr lang="en-US" sz="3600" dirty="0"/>
           </a:p>
         </p:txBody>
-      </p:sp>
-      <p:sp>
-        <p:nvSpPr>
-          <p:cNvPr id="3" name="Picture Placeholder 2"/>
-          <p:cNvSpPr>
-            <a:spLocks noGrp="1"/>
-          </p:cNvSpPr>
-          <p:nvPr>
-            <p:ph type="pic" idx="1"/>
-          </p:nvPr>
-        </p:nvSpPr>
-        <p:spPr/>
       </p:sp>
       <p:sp>
         <p:nvSpPr>
@@ -15199,19 +15773,139 @@
             <p:ph type="body" sz="half" idx="2"/>
           </p:nvPr>
         </p:nvSpPr>
-        <p:spPr/>
+        <p:spPr>
+          <a:xfrm>
+            <a:off x="2894012" y="5334000"/>
+            <a:ext cx="2844060" cy="635001"/>
+          </a:xfrm>
+        </p:spPr>
         <p:txBody>
           <a:bodyPr/>
           <a:lstStyle/>
           <a:p>
-            <a:endParaRPr lang="en-US"/>
+            <a:pPr algn="ctr">
+              <a:spcBef>
+                <a:spcPts val="600"/>
+              </a:spcBef>
+              <a:spcAft>
+                <a:spcPts val="1800"/>
+              </a:spcAft>
+            </a:pPr>
+            <a:r>
+              <a:rPr lang="en-US" b="1" i="1" dirty="0" err="1">
+                <a:latin typeface="Times New Roman" panose="02020603050405020304" pitchFamily="18" charset="0"/>
+                <a:ea typeface="Arial" panose="020B0604020202020204" pitchFamily="34" charset="0"/>
+                <a:cs typeface="Times New Roman" panose="02020603050405020304" pitchFamily="18" charset="0"/>
+              </a:rPr>
+              <a:t>Quản</a:t>
+            </a:r>
+            <a:r>
+              <a:rPr lang="en-US" b="1" i="1" dirty="0">
+                <a:latin typeface="Times New Roman" panose="02020603050405020304" pitchFamily="18" charset="0"/>
+                <a:ea typeface="Arial" panose="020B0604020202020204" pitchFamily="34" charset="0"/>
+                <a:cs typeface="Times New Roman" panose="02020603050405020304" pitchFamily="18" charset="0"/>
+              </a:rPr>
+              <a:t> </a:t>
+            </a:r>
+            <a:r>
+              <a:rPr lang="en-US" b="1" i="1" dirty="0" err="1">
+                <a:latin typeface="Times New Roman" panose="02020603050405020304" pitchFamily="18" charset="0"/>
+                <a:ea typeface="Arial" panose="020B0604020202020204" pitchFamily="34" charset="0"/>
+                <a:cs typeface="Times New Roman" panose="02020603050405020304" pitchFamily="18" charset="0"/>
+              </a:rPr>
+              <a:t>lý</a:t>
+            </a:r>
+            <a:r>
+              <a:rPr lang="en-US" b="1" i="1" dirty="0">
+                <a:latin typeface="Times New Roman" panose="02020603050405020304" pitchFamily="18" charset="0"/>
+                <a:ea typeface="Arial" panose="020B0604020202020204" pitchFamily="34" charset="0"/>
+                <a:cs typeface="Times New Roman" panose="02020603050405020304" pitchFamily="18" charset="0"/>
+              </a:rPr>
+              <a:t> </a:t>
+            </a:r>
+            <a:r>
+              <a:rPr lang="en-US" b="1" i="1" dirty="0" err="1">
+                <a:latin typeface="Times New Roman" panose="02020603050405020304" pitchFamily="18" charset="0"/>
+                <a:ea typeface="Arial" panose="020B0604020202020204" pitchFamily="34" charset="0"/>
+                <a:cs typeface="Times New Roman" panose="02020603050405020304" pitchFamily="18" charset="0"/>
+              </a:rPr>
+              <a:t>nhà</a:t>
+            </a:r>
+            <a:r>
+              <a:rPr lang="en-US" b="1" i="1" dirty="0">
+                <a:latin typeface="Times New Roman" panose="02020603050405020304" pitchFamily="18" charset="0"/>
+                <a:ea typeface="Arial" panose="020B0604020202020204" pitchFamily="34" charset="0"/>
+                <a:cs typeface="Times New Roman" panose="02020603050405020304" pitchFamily="18" charset="0"/>
+              </a:rPr>
+              <a:t> </a:t>
+            </a:r>
+            <a:r>
+              <a:rPr lang="en-US" b="1" i="1" dirty="0" err="1">
+                <a:latin typeface="Times New Roman" panose="02020603050405020304" pitchFamily="18" charset="0"/>
+                <a:ea typeface="Arial" panose="020B0604020202020204" pitchFamily="34" charset="0"/>
+                <a:cs typeface="Times New Roman" panose="02020603050405020304" pitchFamily="18" charset="0"/>
+              </a:rPr>
+              <a:t>cung</a:t>
+            </a:r>
+            <a:r>
+              <a:rPr lang="en-US" b="1" i="1" dirty="0">
+                <a:latin typeface="Times New Roman" panose="02020603050405020304" pitchFamily="18" charset="0"/>
+                <a:ea typeface="Arial" panose="020B0604020202020204" pitchFamily="34" charset="0"/>
+                <a:cs typeface="Times New Roman" panose="02020603050405020304" pitchFamily="18" charset="0"/>
+              </a:rPr>
+              <a:t> </a:t>
+            </a:r>
+            <a:r>
+              <a:rPr lang="en-US" b="1" i="1" dirty="0" err="1">
+                <a:latin typeface="Times New Roman" panose="02020603050405020304" pitchFamily="18" charset="0"/>
+                <a:ea typeface="Arial" panose="020B0604020202020204" pitchFamily="34" charset="0"/>
+                <a:cs typeface="Times New Roman" panose="02020603050405020304" pitchFamily="18" charset="0"/>
+              </a:rPr>
+              <a:t>cấp</a:t>
+            </a:r>
+            <a:endParaRPr lang="en-US" b="1" i="1" dirty="0">
+              <a:latin typeface="Times New Roman" panose="02020603050405020304" pitchFamily="18" charset="0"/>
+              <a:ea typeface="Arial" panose="020B0604020202020204" pitchFamily="34" charset="0"/>
+              <a:cs typeface="Times New Roman" panose="02020603050405020304" pitchFamily="18" charset="0"/>
+            </a:endParaRPr>
+          </a:p>
+          <a:p>
+            <a:endParaRPr lang="en-US" dirty="0"/>
           </a:p>
         </p:txBody>
       </p:sp>
+      <p:pic>
+        <p:nvPicPr>
+          <p:cNvPr id="5" name="Picture 4"/>
+          <p:cNvPicPr/>
+          <p:nvPr/>
+        </p:nvPicPr>
+        <p:blipFill>
+          <a:blip r:embed="rId2">
+            <a:extLst>
+              <a:ext uri="{28A0092B-C50C-407E-A947-70E740481C1C}">
+                <a14:useLocalDpi xmlns:a14="http://schemas.microsoft.com/office/drawing/2010/main" val="0"/>
+              </a:ext>
+            </a:extLst>
+          </a:blip>
+          <a:stretch>
+            <a:fillRect/>
+          </a:stretch>
+        </p:blipFill>
+        <p:spPr>
+          <a:xfrm>
+            <a:off x="1217611" y="609600"/>
+            <a:ext cx="5803671" cy="5486400"/>
+          </a:xfrm>
+          <a:prstGeom prst="rect">
+            <a:avLst/>
+          </a:prstGeom>
+        </p:spPr>
+      </p:pic>
     </p:spTree>
     <p:extLst>
       <p:ext uri="{BB962C8B-B14F-4D97-AF65-F5344CB8AC3E}">
-        <p14:creationId xmlns:p14="http://schemas.microsoft.com/office/powerpoint/2010/main" val="236742667"/>
+        <p14:creationId xmlns:p14="http://schemas.microsoft.com/office/powerpoint/2010/main" val="3219610127"/>
       </p:ext>
     </p:extLst>
   </p:cSld>
@@ -15230,6 +15924,13 @@
       </p:transition>
     </mc:Fallback>
   </mc:AlternateContent>
+  <p:timing>
+    <p:tnLst>
+      <p:par>
+        <p:cTn id="1" dur="indefinite" restart="never" nodeType="tmRoot"/>
+      </p:par>
+    </p:tnLst>
+  </p:timing>
 </p:sld>
 </file>
 
@@ -17044,15 +17745,6 @@
 </file>
 
 <file path=customXml/item2.xml><?xml version="1.0" encoding="utf-8"?>
-<?mso-contentType ?>
-<FormTemplates xmlns="http://schemas.microsoft.com/sharepoint/v3/contenttype/forms">
-  <Display>DocumentLibraryForm</Display>
-  <Edit>AssetEditForm</Edit>
-  <New>DocumentLibraryForm</New>
-</FormTemplates>
-</file>
-
-<file path=customXml/item3.xml><?xml version="1.0" encoding="utf-8"?>
 <p:properties xmlns:p="http://schemas.microsoft.com/office/2006/metadata/properties" xmlns:xsi="http://www.w3.org/2001/XMLSchema-instance" xmlns:pc="http://schemas.microsoft.com/office/infopath/2007/PartnerControls">
   <documentManagement>
     <DirectSourceMarket xmlns="4873beb7-5857-4685-be1f-d57550cc96cc" xsi:nil="true"/>
@@ -17178,6 +17870,15 @@
 </p:properties>
 </file>
 
+<file path=customXml/item3.xml><?xml version="1.0" encoding="utf-8"?>
+<?mso-contentType ?>
+<FormTemplates xmlns="http://schemas.microsoft.com/sharepoint/v3/contenttype/forms">
+  <Display>DocumentLibraryForm</Display>
+  <Edit>AssetEditForm</Edit>
+  <New>DocumentLibraryForm</New>
+</FormTemplates>
+</file>
+
 <file path=customXml/itemProps1.xml><?xml version="1.0" encoding="utf-8"?>
 <ds:datastoreItem xmlns:ds="http://schemas.openxmlformats.org/officeDocument/2006/customXml" ds:itemID="{83ED4759-CFDD-43F0-817C-11D9197192BA}">
   <ds:schemaRefs>
@@ -17197,14 +17898,6 @@
 </file>
 
 <file path=customXml/itemProps2.xml><?xml version="1.0" encoding="utf-8"?>
-<ds:datastoreItem xmlns:ds="http://schemas.openxmlformats.org/officeDocument/2006/customXml" ds:itemID="{8D003AC8-209A-4321-A17C-1B7A20643390}">
-  <ds:schemaRefs>
-    <ds:schemaRef ds:uri="http://schemas.microsoft.com/sharepoint/v3/contenttype/forms"/>
-  </ds:schemaRefs>
-</ds:datastoreItem>
-</file>
-
-<file path=customXml/itemProps3.xml><?xml version="1.0" encoding="utf-8"?>
 <ds:datastoreItem xmlns:ds="http://schemas.openxmlformats.org/officeDocument/2006/customXml" ds:itemID="{4ED80E12-3BE9-4746-820E-FFB249F467F2}">
   <ds:schemaRefs>
     <ds:schemaRef ds:uri="http://schemas.microsoft.com/office/2006/documentManagement/types"/>
@@ -17218,4 +17911,12 @@
     <ds:schemaRef ds:uri="http://purl.org/dc/dcmitype/"/>
   </ds:schemaRefs>
 </ds:datastoreItem>
+</file>
+
+<file path=customXml/itemProps3.xml><?xml version="1.0" encoding="utf-8"?>
+<ds:datastoreItem xmlns:ds="http://schemas.openxmlformats.org/officeDocument/2006/customXml" ds:itemID="{8D003AC8-209A-4321-A17C-1B7A20643390}">
+  <ds:schemaRefs>
+    <ds:schemaRef ds:uri="http://schemas.microsoft.com/sharepoint/v3/contenttype/forms"/>
+  </ds:schemaRefs>
+</ds:datastoreItem>
 </file>